--- a/database-presentation.pptx
+++ b/database-presentation.pptx
@@ -336,7 +336,7 @@
             <a:fld id="{1D8BD707-D9CF-40AE-B4C6-C98DA3205C09}" type="datetimeFigureOut">
               <a:rPr lang="en-US" smtClean="0"/>
               <a:pPr/>
-              <a:t>7/25/2024</a:t>
+              <a:t>7/26/2024</a:t>
             </a:fld>
             <a:endParaRPr lang="en-US"/>
           </a:p>
@@ -501,7 +501,7 @@
             <a:fld id="{1D8BD707-D9CF-40AE-B4C6-C98DA3205C09}" type="datetimeFigureOut">
               <a:rPr lang="en-US" smtClean="0"/>
               <a:pPr/>
-              <a:t>7/25/2024</a:t>
+              <a:t>7/26/2024</a:t>
             </a:fld>
             <a:endParaRPr lang="en-US"/>
           </a:p>
@@ -676,7 +676,7 @@
             <a:fld id="{1D8BD707-D9CF-40AE-B4C6-C98DA3205C09}" type="datetimeFigureOut">
               <a:rPr lang="en-US" smtClean="0"/>
               <a:pPr/>
-              <a:t>7/25/2024</a:t>
+              <a:t>7/26/2024</a:t>
             </a:fld>
             <a:endParaRPr lang="en-US"/>
           </a:p>
@@ -841,7 +841,7 @@
             <a:fld id="{1D8BD707-D9CF-40AE-B4C6-C98DA3205C09}" type="datetimeFigureOut">
               <a:rPr lang="en-US" smtClean="0"/>
               <a:pPr/>
-              <a:t>7/25/2024</a:t>
+              <a:t>7/26/2024</a:t>
             </a:fld>
             <a:endParaRPr lang="en-US"/>
           </a:p>
@@ -1083,7 +1083,7 @@
             <a:fld id="{1D8BD707-D9CF-40AE-B4C6-C98DA3205C09}" type="datetimeFigureOut">
               <a:rPr lang="en-US" smtClean="0"/>
               <a:pPr/>
-              <a:t>7/25/2024</a:t>
+              <a:t>7/26/2024</a:t>
             </a:fld>
             <a:endParaRPr lang="en-US"/>
           </a:p>
@@ -1365,7 +1365,7 @@
             <a:fld id="{1D8BD707-D9CF-40AE-B4C6-C98DA3205C09}" type="datetimeFigureOut">
               <a:rPr lang="en-US" smtClean="0"/>
               <a:pPr/>
-              <a:t>7/25/2024</a:t>
+              <a:t>7/26/2024</a:t>
             </a:fld>
             <a:endParaRPr lang="en-US"/>
           </a:p>
@@ -1781,7 +1781,7 @@
             <a:fld id="{1D8BD707-D9CF-40AE-B4C6-C98DA3205C09}" type="datetimeFigureOut">
               <a:rPr lang="en-US" smtClean="0"/>
               <a:pPr/>
-              <a:t>7/25/2024</a:t>
+              <a:t>7/26/2024</a:t>
             </a:fld>
             <a:endParaRPr lang="en-US"/>
           </a:p>
@@ -1895,7 +1895,7 @@
             <a:fld id="{1D8BD707-D9CF-40AE-B4C6-C98DA3205C09}" type="datetimeFigureOut">
               <a:rPr lang="en-US" smtClean="0"/>
               <a:pPr/>
-              <a:t>7/25/2024</a:t>
+              <a:t>7/26/2024</a:t>
             </a:fld>
             <a:endParaRPr lang="en-US"/>
           </a:p>
@@ -1987,7 +1987,7 @@
             <a:fld id="{1D8BD707-D9CF-40AE-B4C6-C98DA3205C09}" type="datetimeFigureOut">
               <a:rPr lang="en-US" smtClean="0"/>
               <a:pPr/>
-              <a:t>7/25/2024</a:t>
+              <a:t>7/26/2024</a:t>
             </a:fld>
             <a:endParaRPr lang="en-US"/>
           </a:p>
@@ -2259,7 +2259,7 @@
             <a:fld id="{1D8BD707-D9CF-40AE-B4C6-C98DA3205C09}" type="datetimeFigureOut">
               <a:rPr lang="en-US" smtClean="0"/>
               <a:pPr/>
-              <a:t>7/25/2024</a:t>
+              <a:t>7/26/2024</a:t>
             </a:fld>
             <a:endParaRPr lang="en-US"/>
           </a:p>
@@ -2508,7 +2508,7 @@
             <a:fld id="{1D8BD707-D9CF-40AE-B4C6-C98DA3205C09}" type="datetimeFigureOut">
               <a:rPr lang="en-US" smtClean="0"/>
               <a:pPr/>
-              <a:t>7/25/2024</a:t>
+              <a:t>7/26/2024</a:t>
             </a:fld>
             <a:endParaRPr lang="en-US"/>
           </a:p>
@@ -2716,7 +2716,7 @@
             <a:fld id="{1D8BD707-D9CF-40AE-B4C6-C98DA3205C09}" type="datetimeFigureOut">
               <a:rPr lang="en-US" smtClean="0"/>
               <a:pPr/>
-              <a:t>7/25/2024</a:t>
+              <a:t>7/26/2024</a:t>
             </a:fld>
             <a:endParaRPr lang="en-US"/>
           </a:p>
@@ -4236,22 +4236,13 @@
               </a:spcBef>
             </a:pPr>
             <a:r>
-              <a:rPr lang="en-US" sz="1645" dirty="0" err="1">
-                <a:solidFill>
-                  <a:srgbClr val="000000"/>
-                </a:solidFill>
-                <a:latin typeface="Now"/>
-              </a:rPr>
-              <a:t>Mult-iuser</a:t>
-            </a:r>
-            <a:r>
               <a:rPr lang="en-US" sz="1645" dirty="0">
                 <a:solidFill>
                   <a:srgbClr val="000000"/>
                 </a:solidFill>
                 <a:latin typeface="Now"/>
               </a:rPr>
-              <a:t> access</a:t>
+              <a:t>Multi-user access</a:t>
             </a:r>
           </a:p>
         </p:txBody>
